--- a/documents/03_Presentation.pptx
+++ b/documents/03_Presentation.pptx
@@ -246,7 +246,7 @@
           <a:p>
             <a:fld id="{3DB548AD-334B-4731-B639-4ED2902D672E}" type="datetimeFigureOut">
               <a:rPr lang="de-DE" smtClean="0"/>
-              <a:t>23.02.2020</a:t>
+              <a:t>27.02.2020</a:t>
             </a:fld>
             <a:endParaRPr lang="de-DE"/>
           </a:p>
@@ -6695,6 +6695,19 @@
                 <a:cs typeface="Arial"/>
               </a:rPr>
               <a:t>Control imbalance ratio</a:t>
+            </a:r>
+          </a:p>
+          <a:p>
+            <a:pPr lvl="1">
+              <a:lnSpc>
+                <a:spcPct val="150000"/>
+              </a:lnSpc>
+            </a:pPr>
+            <a:r>
+              <a:rPr lang="en-US" dirty="0">
+                <a:cs typeface="Arial"/>
+              </a:rPr>
+              <a:t>Oversampling</a:t>
             </a:r>
           </a:p>
           <a:p>
